--- a/IBM-EduSkills/Internship Project Submission PPT.pptx
+++ b/IBM-EduSkills/Internship Project Submission PPT.pptx
@@ -2,7 +2,7 @@
 <file path=ppt/presentation.xml><?xml version="1.0" encoding="utf-8"?>
 <p:presentation xmlns:a="http://schemas.openxmlformats.org/drawingml/2006/main" xmlns:r="http://schemas.openxmlformats.org/officeDocument/2006/relationships" xmlns:p="http://schemas.openxmlformats.org/presentationml/2006/main" saveSubsetFonts="1" autoCompressPictures="0">
   <p:sldMasterIdLst>
-    <p:sldMasterId id="2147483839" r:id="rId4"/>
+    <p:sldMasterId id="2147483919" r:id="rId4"/>
   </p:sldMasterIdLst>
   <p:notesMasterIdLst>
     <p:notesMasterId r:id="rId24"/>
@@ -764,7 +764,7 @@
       </p:grpSpPr>
       <p:grpSp>
         <p:nvGrpSpPr>
-          <p:cNvPr id="7" name="Group 6"/>
+          <p:cNvPr id="8" name="Group 7"/>
           <p:cNvGrpSpPr/>
           <p:nvPr/>
         </p:nvGrpSpPr>
@@ -793,7 +793,8 @@
             <a:ln w="9525">
               <a:solidFill>
                 <a:schemeClr val="bg1">
-                  <a:lumMod val="75000"/>
+                  <a:lumMod val="85000"/>
+                  <a:lumOff val="15000"/>
                 </a:schemeClr>
               </a:solidFill>
             </a:ln>
@@ -831,6 +832,7 @@
               <a:solidFill>
                 <a:schemeClr val="bg1">
                   <a:lumMod val="85000"/>
+                  <a:lumOff val="15000"/>
                 </a:schemeClr>
               </a:solidFill>
             </a:ln>
@@ -1518,7 +1520,7 @@
     </p:spTree>
     <p:extLst>
       <p:ext uri="{BB962C8B-B14F-4D97-AF65-F5344CB8AC3E}">
-        <p14:creationId xmlns:p14="http://schemas.microsoft.com/office/powerpoint/2010/main" val="1166135082"/>
+        <p14:creationId xmlns:p14="http://schemas.microsoft.com/office/powerpoint/2010/main" val="3313179575"/>
       </p:ext>
     </p:extLst>
   </p:cSld>
@@ -1769,7 +1771,7 @@
     </p:spTree>
     <p:extLst>
       <p:ext uri="{BB962C8B-B14F-4D97-AF65-F5344CB8AC3E}">
-        <p14:creationId xmlns:p14="http://schemas.microsoft.com/office/powerpoint/2010/main" val="4706635"/>
+        <p14:creationId xmlns:p14="http://schemas.microsoft.com/office/powerpoint/2010/main" val="960410949"/>
       </p:ext>
     </p:extLst>
   </p:cSld>
@@ -2109,10 +2111,7 @@
                   <a:noFill/>
                 </a:ln>
                 <a:solidFill>
-                  <a:schemeClr val="accent1">
-                    <a:lumMod val="60000"/>
-                    <a:lumOff val="40000"/>
-                  </a:schemeClr>
+                  <a:schemeClr val="accent1"/>
                 </a:solidFill>
                 <a:effectLst/>
                 <a:latin typeface="Arial"/>
@@ -2150,31 +2149,20 @@
                   <a:noFill/>
                 </a:ln>
                 <a:solidFill>
-                  <a:schemeClr val="accent1">
-                    <a:lumMod val="60000"/>
-                    <a:lumOff val="40000"/>
-                  </a:schemeClr>
-                </a:solidFill>
+                  <a:schemeClr val="accent1"/>
+                </a:solidFill>
+                <a:effectLst/>
                 <a:latin typeface="Arial"/>
               </a:rPr>
               <a:t>”</a:t>
             </a:r>
-            <a:endParaRPr lang="en-US" dirty="0">
-              <a:solidFill>
-                <a:schemeClr val="accent1">
-                  <a:lumMod val="60000"/>
-                  <a:lumOff val="40000"/>
-                </a:schemeClr>
-              </a:solidFill>
-              <a:latin typeface="Arial"/>
-            </a:endParaRPr>
           </a:p>
         </p:txBody>
       </p:sp>
     </p:spTree>
     <p:extLst>
       <p:ext uri="{BB962C8B-B14F-4D97-AF65-F5344CB8AC3E}">
-        <p14:creationId xmlns:p14="http://schemas.microsoft.com/office/powerpoint/2010/main" val="3289297056"/>
+        <p14:creationId xmlns:p14="http://schemas.microsoft.com/office/powerpoint/2010/main" val="3159634731"/>
       </p:ext>
     </p:extLst>
   </p:cSld>
@@ -2426,7 +2414,7 @@
     </p:spTree>
     <p:extLst>
       <p:ext uri="{BB962C8B-B14F-4D97-AF65-F5344CB8AC3E}">
-        <p14:creationId xmlns:p14="http://schemas.microsoft.com/office/powerpoint/2010/main" val="1200969919"/>
+        <p14:creationId xmlns:p14="http://schemas.microsoft.com/office/powerpoint/2010/main" val="3409344629"/>
       </p:ext>
     </p:extLst>
   </p:cSld>
@@ -2766,10 +2754,7 @@
                   <a:noFill/>
                 </a:ln>
                 <a:solidFill>
-                  <a:schemeClr val="accent1">
-                    <a:lumMod val="60000"/>
-                    <a:lumOff val="40000"/>
-                  </a:schemeClr>
+                  <a:schemeClr val="accent1"/>
                 </a:solidFill>
                 <a:effectLst/>
                 <a:latin typeface="Arial"/>
@@ -2807,10 +2792,7 @@
                   <a:noFill/>
                 </a:ln>
                 <a:solidFill>
-                  <a:schemeClr val="accent1">
-                    <a:lumMod val="60000"/>
-                    <a:lumOff val="40000"/>
-                  </a:schemeClr>
+                  <a:schemeClr val="accent1"/>
                 </a:solidFill>
                 <a:effectLst/>
                 <a:latin typeface="Arial"/>
@@ -2823,7 +2805,7 @@
     </p:spTree>
     <p:extLst>
       <p:ext uri="{BB962C8B-B14F-4D97-AF65-F5344CB8AC3E}">
-        <p14:creationId xmlns:p14="http://schemas.microsoft.com/office/powerpoint/2010/main" val="2253215544"/>
+        <p14:creationId xmlns:p14="http://schemas.microsoft.com/office/powerpoint/2010/main" val="2218929303"/>
       </p:ext>
     </p:extLst>
   </p:cSld>
@@ -3135,7 +3117,7 @@
     </p:spTree>
     <p:extLst>
       <p:ext uri="{BB962C8B-B14F-4D97-AF65-F5344CB8AC3E}">
-        <p14:creationId xmlns:p14="http://schemas.microsoft.com/office/powerpoint/2010/main" val="3862381432"/>
+        <p14:creationId xmlns:p14="http://schemas.microsoft.com/office/powerpoint/2010/main" val="2200644090"/>
       </p:ext>
     </p:extLst>
   </p:cSld>
@@ -3306,7 +3288,7 @@
     </p:spTree>
     <p:extLst>
       <p:ext uri="{BB962C8B-B14F-4D97-AF65-F5344CB8AC3E}">
-        <p14:creationId xmlns:p14="http://schemas.microsoft.com/office/powerpoint/2010/main" val="46413745"/>
+        <p14:creationId xmlns:p14="http://schemas.microsoft.com/office/powerpoint/2010/main" val="2202014041"/>
       </p:ext>
     </p:extLst>
   </p:cSld>
@@ -3487,7 +3469,7 @@
     </p:spTree>
     <p:extLst>
       <p:ext uri="{BB962C8B-B14F-4D97-AF65-F5344CB8AC3E}">
-        <p14:creationId xmlns:p14="http://schemas.microsoft.com/office/powerpoint/2010/main" val="3150015027"/>
+        <p14:creationId xmlns:p14="http://schemas.microsoft.com/office/powerpoint/2010/main" val="202081816"/>
       </p:ext>
     </p:extLst>
   </p:cSld>
@@ -3664,7 +3646,7 @@
     </p:spTree>
     <p:extLst>
       <p:ext uri="{BB962C8B-B14F-4D97-AF65-F5344CB8AC3E}">
-        <p14:creationId xmlns:p14="http://schemas.microsoft.com/office/powerpoint/2010/main" val="1641277474"/>
+        <p14:creationId xmlns:p14="http://schemas.microsoft.com/office/powerpoint/2010/main" val="723437606"/>
       </p:ext>
     </p:extLst>
   </p:cSld>
@@ -3912,7 +3894,7 @@
     </p:spTree>
     <p:extLst>
       <p:ext uri="{BB962C8B-B14F-4D97-AF65-F5344CB8AC3E}">
-        <p14:creationId xmlns:p14="http://schemas.microsoft.com/office/powerpoint/2010/main" val="1115458643"/>
+        <p14:creationId xmlns:p14="http://schemas.microsoft.com/office/powerpoint/2010/main" val="251332967"/>
       </p:ext>
     </p:extLst>
   </p:cSld>
@@ -4144,7 +4126,7 @@
     </p:spTree>
     <p:extLst>
       <p:ext uri="{BB962C8B-B14F-4D97-AF65-F5344CB8AC3E}">
-        <p14:creationId xmlns:p14="http://schemas.microsoft.com/office/powerpoint/2010/main" val="418488064"/>
+        <p14:creationId xmlns:p14="http://schemas.microsoft.com/office/powerpoint/2010/main" val="2128902939"/>
       </p:ext>
     </p:extLst>
   </p:cSld>
@@ -4519,7 +4501,7 @@
     </p:spTree>
     <p:extLst>
       <p:ext uri="{BB962C8B-B14F-4D97-AF65-F5344CB8AC3E}">
-        <p14:creationId xmlns:p14="http://schemas.microsoft.com/office/powerpoint/2010/main" val="212960196"/>
+        <p14:creationId xmlns:p14="http://schemas.microsoft.com/office/powerpoint/2010/main" val="3086538530"/>
       </p:ext>
     </p:extLst>
   </p:cSld>
@@ -4643,7 +4625,7 @@
     </p:spTree>
     <p:extLst>
       <p:ext uri="{BB962C8B-B14F-4D97-AF65-F5344CB8AC3E}">
-        <p14:creationId xmlns:p14="http://schemas.microsoft.com/office/powerpoint/2010/main" val="11818360"/>
+        <p14:creationId xmlns:p14="http://schemas.microsoft.com/office/powerpoint/2010/main" val="738618185"/>
       </p:ext>
     </p:extLst>
   </p:cSld>
@@ -4738,7 +4720,7 @@
     </p:spTree>
     <p:extLst>
       <p:ext uri="{BB962C8B-B14F-4D97-AF65-F5344CB8AC3E}">
-        <p14:creationId xmlns:p14="http://schemas.microsoft.com/office/powerpoint/2010/main" val="248964844"/>
+        <p14:creationId xmlns:p14="http://schemas.microsoft.com/office/powerpoint/2010/main" val="3959022871"/>
       </p:ext>
     </p:extLst>
   </p:cSld>
@@ -4993,7 +4975,7 @@
     </p:spTree>
     <p:extLst>
       <p:ext uri="{BB962C8B-B14F-4D97-AF65-F5344CB8AC3E}">
-        <p14:creationId xmlns:p14="http://schemas.microsoft.com/office/powerpoint/2010/main" val="4205190297"/>
+        <p14:creationId xmlns:p14="http://schemas.microsoft.com/office/powerpoint/2010/main" val="1419296148"/>
       </p:ext>
     </p:extLst>
   </p:cSld>
@@ -5258,7 +5240,7 @@
     </p:spTree>
     <p:extLst>
       <p:ext uri="{BB962C8B-B14F-4D97-AF65-F5344CB8AC3E}">
-        <p14:creationId xmlns:p14="http://schemas.microsoft.com/office/powerpoint/2010/main" val="4116263569"/>
+        <p14:creationId xmlns:p14="http://schemas.microsoft.com/office/powerpoint/2010/main" val="3563528087"/>
       </p:ext>
     </p:extLst>
   </p:cSld>
@@ -5273,7 +5255,7 @@
   <p:cSld>
     <p:bg>
       <p:bgRef idx="1001">
-        <a:schemeClr val="bg1"/>
+        <a:schemeClr val="bg2"/>
       </p:bgRef>
     </p:bg>
     <p:spTree>
@@ -5292,7 +5274,7 @@
       </p:grpSpPr>
       <p:grpSp>
         <p:nvGrpSpPr>
-          <p:cNvPr id="7" name="Group 6"/>
+          <p:cNvPr id="8" name="Group 7"/>
           <p:cNvGrpSpPr/>
           <p:nvPr/>
         </p:nvGrpSpPr>
@@ -5321,7 +5303,8 @@
             <a:ln w="9525">
               <a:solidFill>
                 <a:schemeClr val="bg1">
-                  <a:lumMod val="75000"/>
+                  <a:lumMod val="85000"/>
+                  <a:lumOff val="15000"/>
                 </a:schemeClr>
               </a:solidFill>
             </a:ln>
@@ -5359,6 +5342,7 @@
               <a:solidFill>
                 <a:schemeClr val="bg1">
                   <a:lumMod val="85000"/>
+                  <a:lumOff val="15000"/>
                 </a:schemeClr>
               </a:solidFill>
             </a:ln>
@@ -6035,28 +6019,28 @@
     </p:spTree>
     <p:extLst>
       <p:ext uri="{BB962C8B-B14F-4D97-AF65-F5344CB8AC3E}">
-        <p14:creationId xmlns:p14="http://schemas.microsoft.com/office/powerpoint/2010/main" val="1817079881"/>
+        <p14:creationId xmlns:p14="http://schemas.microsoft.com/office/powerpoint/2010/main" val="3150370710"/>
       </p:ext>
     </p:extLst>
   </p:cSld>
-  <p:clrMap bg1="lt1" tx1="dk1" bg2="lt2" tx2="dk2" accent1="accent1" accent2="accent2" accent3="accent3" accent4="accent4" accent5="accent5" accent6="accent6" hlink="hlink" folHlink="folHlink"/>
+  <p:clrMap bg1="dk1" tx1="lt1" bg2="dk2" tx2="lt2" accent1="accent1" accent2="accent2" accent3="accent3" accent4="accent4" accent5="accent5" accent6="accent6" hlink="hlink" folHlink="folHlink"/>
   <p:sldLayoutIdLst>
-    <p:sldLayoutId id="2147483840" r:id="rId1"/>
-    <p:sldLayoutId id="2147483841" r:id="rId2"/>
-    <p:sldLayoutId id="2147483842" r:id="rId3"/>
-    <p:sldLayoutId id="2147483843" r:id="rId4"/>
-    <p:sldLayoutId id="2147483844" r:id="rId5"/>
-    <p:sldLayoutId id="2147483845" r:id="rId6"/>
-    <p:sldLayoutId id="2147483846" r:id="rId7"/>
-    <p:sldLayoutId id="2147483847" r:id="rId8"/>
-    <p:sldLayoutId id="2147483848" r:id="rId9"/>
-    <p:sldLayoutId id="2147483849" r:id="rId10"/>
-    <p:sldLayoutId id="2147483850" r:id="rId11"/>
-    <p:sldLayoutId id="2147483851" r:id="rId12"/>
-    <p:sldLayoutId id="2147483852" r:id="rId13"/>
-    <p:sldLayoutId id="2147483853" r:id="rId14"/>
-    <p:sldLayoutId id="2147483854" r:id="rId15"/>
-    <p:sldLayoutId id="2147483855" r:id="rId16"/>
+    <p:sldLayoutId id="2147483920" r:id="rId1"/>
+    <p:sldLayoutId id="2147483921" r:id="rId2"/>
+    <p:sldLayoutId id="2147483922" r:id="rId3"/>
+    <p:sldLayoutId id="2147483923" r:id="rId4"/>
+    <p:sldLayoutId id="2147483924" r:id="rId5"/>
+    <p:sldLayoutId id="2147483925" r:id="rId6"/>
+    <p:sldLayoutId id="2147483926" r:id="rId7"/>
+    <p:sldLayoutId id="2147483927" r:id="rId8"/>
+    <p:sldLayoutId id="2147483928" r:id="rId9"/>
+    <p:sldLayoutId id="2147483929" r:id="rId10"/>
+    <p:sldLayoutId id="2147483930" r:id="rId11"/>
+    <p:sldLayoutId id="2147483931" r:id="rId12"/>
+    <p:sldLayoutId id="2147483932" r:id="rId13"/>
+    <p:sldLayoutId id="2147483933" r:id="rId14"/>
+    <p:sldLayoutId id="2147483934" r:id="rId15"/>
+    <p:sldLayoutId id="2147483935" r:id="rId16"/>
   </p:sldLayoutIdLst>
   <p:hf sldNum="0" hdr="0" ftr="0" dt="0"/>
   <p:txStyles>
@@ -6717,7 +6701,9 @@
           </a:xfrm>
         </p:spPr>
         <p:txBody>
-          <a:bodyPr anchor="ctr"/>
+          <a:bodyPr anchor="ctr">
+            <a:normAutofit/>
+          </a:bodyPr>
           <a:lstStyle/>
           <a:p>
             <a:r>
@@ -6835,7 +6821,9 @@
           </a:xfrm>
         </p:spPr>
         <p:txBody>
-          <a:bodyPr/>
+          <a:bodyPr>
+            <a:normAutofit/>
+          </a:bodyPr>
           <a:lstStyle/>
           <a:p>
             <a:pPr algn="l"/>
@@ -7531,7 +7519,9 @@
           </a:xfrm>
         </p:spPr>
         <p:txBody>
-          <a:bodyPr/>
+          <a:bodyPr>
+            <a:normAutofit/>
+          </a:bodyPr>
           <a:lstStyle/>
           <a:p>
             <a:pPr algn="l"/>
@@ -7784,7 +7774,9 @@
           </a:xfrm>
         </p:spPr>
         <p:txBody>
-          <a:bodyPr/>
+          <a:bodyPr>
+            <a:normAutofit/>
+          </a:bodyPr>
           <a:lstStyle/>
           <a:p>
             <a:pPr algn="l"/>
@@ -7963,7 +7955,9 @@
           </a:xfrm>
         </p:spPr>
         <p:txBody>
-          <a:bodyPr/>
+          <a:bodyPr>
+            <a:normAutofit/>
+          </a:bodyPr>
           <a:lstStyle/>
           <a:p>
             <a:r>
@@ -7986,11 +7980,7 @@
             </a:pPr>
             <a:r>
               <a:rPr lang="en-US" dirty="0"/>
-              <a:t>	</a:t>
-            </a:r>
-            <a:r>
-              <a:rPr lang="en-US" u="sng" dirty="0"/>
-              <a:t>https://github.com/SajjaPremsai/Internships/tree/master/IBM-EduSkills</a:t>
+              <a:t>	https://github.com/SajjaPremsai/Internships/tree/master/IBM-EduSkills</a:t>
             </a:r>
           </a:p>
         </p:txBody>
@@ -8175,7 +8165,9 @@
           </a:xfrm>
         </p:spPr>
         <p:txBody>
-          <a:bodyPr/>
+          <a:bodyPr>
+            <a:normAutofit/>
+          </a:bodyPr>
           <a:lstStyle/>
           <a:p>
             <a:pPr marL="0" indent="0">
@@ -9342,7 +9334,9 @@
           </a:xfrm>
         </p:spPr>
         <p:txBody>
-          <a:bodyPr/>
+          <a:bodyPr>
+            <a:normAutofit/>
+          </a:bodyPr>
           <a:lstStyle/>
           <a:p>
             <a:pPr algn="l">
@@ -9426,7 +9420,7 @@
 <file path=ppt/theme/theme1.xml><?xml version="1.0" encoding="utf-8"?>
 <a:theme xmlns:a="http://schemas.openxmlformats.org/drawingml/2006/main" name="Facet">
   <a:themeElements>
-    <a:clrScheme name="Facet">
+    <a:clrScheme name="Grayscale">
       <a:dk1>
         <a:sysClr val="windowText" lastClr="000000"/>
       </a:dk1>
@@ -9434,34 +9428,34 @@
         <a:sysClr val="window" lastClr="FFFFFF"/>
       </a:lt1>
       <a:dk2>
-        <a:srgbClr val="2C3C43"/>
+        <a:srgbClr val="000000"/>
       </a:dk2>
       <a:lt2>
-        <a:srgbClr val="EBEBEB"/>
+        <a:srgbClr val="F8F8F8"/>
       </a:lt2>
       <a:accent1>
-        <a:srgbClr val="90C226"/>
+        <a:srgbClr val="DDDDDD"/>
       </a:accent1>
       <a:accent2>
-        <a:srgbClr val="54A021"/>
+        <a:srgbClr val="B2B2B2"/>
       </a:accent2>
       <a:accent3>
-        <a:srgbClr val="E6B91E"/>
+        <a:srgbClr val="969696"/>
       </a:accent3>
       <a:accent4>
-        <a:srgbClr val="E76618"/>
+        <a:srgbClr val="808080"/>
       </a:accent4>
       <a:accent5>
-        <a:srgbClr val="C42F1A"/>
+        <a:srgbClr val="5F5F5F"/>
       </a:accent5>
       <a:accent6>
-        <a:srgbClr val="918655"/>
+        <a:srgbClr val="4D4D4D"/>
       </a:accent6>
       <a:hlink>
-        <a:srgbClr val="99CA3C"/>
+        <a:srgbClr val="5F5F5F"/>
       </a:hlink>
       <a:folHlink>
-        <a:srgbClr val="B9D181"/>
+        <a:srgbClr val="919191"/>
       </a:folHlink>
     </a:clrScheme>
     <a:fontScheme name="Facet">
@@ -9674,7 +9668,7 @@
   <a:extraClrSchemeLst/>
   <a:extLst>
     <a:ext uri="{05A4C25C-085E-4340-85A3-A5531E510DB2}">
-      <thm15:themeFamily xmlns:thm15="http://schemas.microsoft.com/office/thememl/2012/main" name="Facet" id="{C0C680CD-088A-49FC-A102-D699147F32B2}" vid="{CFBC31BA-B70F-4F30-BCAA-4F3011E16C4D}"/>
+      <thm15:themeFamily xmlns:thm15="http://schemas.microsoft.com/office/thememl/2012/main" name="Facet" id="{C0C680CD-088A-49FC-A102-D699147F32B2}" vid="{8C59B386-999D-4CB6-B907-9F3997C027CC}"/>
     </a:ext>
   </a:extLst>
 </a:theme>
@@ -9985,15 +9979,6 @@
 </file>
 
 <file path=customXml/item2.xml><?xml version="1.0" encoding="utf-8"?>
-<?mso-contentType ?>
-<FormTemplates xmlns="http://schemas.microsoft.com/sharepoint/v3/contenttype/forms">
-  <Display>DocumentLibraryForm</Display>
-  <Edit>DocumentLibraryForm</Edit>
-  <New>DocumentLibraryForm</New>
-</FormTemplates>
-</file>
-
-<file path=customXml/item3.xml><?xml version="1.0" encoding="utf-8"?>
 <ct:contentTypeSchema xmlns:ct="http://schemas.microsoft.com/office/2006/metadata/contentType" xmlns:ma="http://schemas.microsoft.com/office/2006/metadata/properties/metaAttributes" ct:_="" ma:_="" ma:contentTypeName="Document" ma:contentTypeID="0x01010079F111ED35F8CC479449609E8A0923A6" ma:contentTypeVersion="12" ma:contentTypeDescription="Create a new document." ma:contentTypeScope="" ma:versionID="a410dd7f93c95333ffa1b60ed6adedd1">
   <xsd:schema xmlns:xsd="http://www.w3.org/2001/XMLSchema" xmlns:xs="http://www.w3.org/2001/XMLSchema" xmlns:p="http://schemas.microsoft.com/office/2006/metadata/properties" xmlns:ns2="71af3243-3dd4-4a8d-8c0d-dd76da1f02a5" xmlns:ns3="16c05727-aa75-4e4a-9b5f-8a80a1165891" targetNamespace="http://schemas.microsoft.com/office/2006/metadata/properties" ma:root="true" ma:fieldsID="a936d9baba76aa3866493feff160faab" ns2:_="" ns3:_="">
     <xsd:import namespace="71af3243-3dd4-4a8d-8c0d-dd76da1f02a5"/>
@@ -10214,6 +10199,15 @@
 </ct:contentTypeSchema>
 </file>
 
+<file path=customXml/item3.xml><?xml version="1.0" encoding="utf-8"?>
+<?mso-contentType ?>
+<FormTemplates xmlns="http://schemas.microsoft.com/sharepoint/v3/contenttype/forms">
+  <Display>DocumentLibraryForm</Display>
+  <Edit>DocumentLibraryForm</Edit>
+  <New>DocumentLibraryForm</New>
+</FormTemplates>
+</file>
+
 <file path=customXml/itemProps1.xml><?xml version="1.0" encoding="utf-8"?>
 <ds:datastoreItem xmlns:ds="http://schemas.openxmlformats.org/officeDocument/2006/customXml" ds:itemID="{8D289AE2-D2AE-49D1-AFAC-3A79F6794255}">
   <ds:schemaRefs>
@@ -10232,14 +10226,6 @@
 </file>
 
 <file path=customXml/itemProps2.xml><?xml version="1.0" encoding="utf-8"?>
-<ds:datastoreItem xmlns:ds="http://schemas.openxmlformats.org/officeDocument/2006/customXml" ds:itemID="{927BD4C1-B6B1-4715-ABF9-E660A51A4EA0}">
-  <ds:schemaRefs>
-    <ds:schemaRef ds:uri="http://schemas.microsoft.com/sharepoint/v3/contenttype/forms"/>
-  </ds:schemaRefs>
-</ds:datastoreItem>
-</file>
-
-<file path=customXml/itemProps3.xml><?xml version="1.0" encoding="utf-8"?>
 <ds:datastoreItem xmlns:ds="http://schemas.openxmlformats.org/officeDocument/2006/customXml" ds:itemID="{41E7CA09-9778-4414-AE97-8064B12DA30E}">
   <ds:schemaRefs>
     <ds:schemaRef ds:uri="16c05727-aa75-4e4a-9b5f-8a80a1165891"/>
@@ -10256,4 +10242,12 @@
     <ds:schemaRef ds:uri="http://www.w3.org/2001/XMLSchema"/>
   </ds:schemaRefs>
 </ds:datastoreItem>
+</file>
+
+<file path=customXml/itemProps3.xml><?xml version="1.0" encoding="utf-8"?>
+<ds:datastoreItem xmlns:ds="http://schemas.openxmlformats.org/officeDocument/2006/customXml" ds:itemID="{927BD4C1-B6B1-4715-ABF9-E660A51A4EA0}">
+  <ds:schemaRefs>
+    <ds:schemaRef ds:uri="http://schemas.microsoft.com/sharepoint/v3/contenttype/forms"/>
+  </ds:schemaRefs>
+</ds:datastoreItem>
 </file>
--- a/IBM-EduSkills/Internship Project Submission PPT.pptx
+++ b/IBM-EduSkills/Internship Project Submission PPT.pptx
@@ -393,7 +393,7 @@
           <a:p>
             <a:fld id="{46256A78-79A6-408F-8148-4F87BB81602D}" type="datetimeFigureOut">
               <a:rPr lang="en-IN" smtClean="0"/>
-              <a:t>26-09-2023</a:t>
+              <a:t>29-09-2023</a:t>
             </a:fld>
             <a:endParaRPr lang="en-IN"/>
           </a:p>
@@ -1469,7 +1469,7 @@
           <a:p>
             <a:fld id="{ED291B17-9318-49DB-B28B-6E5994AE9581}" type="datetime1">
               <a:rPr lang="en-US" smtClean="0"/>
-              <a:t>9/26/2023</a:t>
+              <a:t>9/29/2023</a:t>
             </a:fld>
             <a:endParaRPr lang="en-US"/>
           </a:p>
@@ -1720,7 +1720,7 @@
           <a:p>
             <a:fld id="{ED291B17-9318-49DB-B28B-6E5994AE9581}" type="datetime1">
               <a:rPr lang="en-US" smtClean="0"/>
-              <a:t>9/26/2023</a:t>
+              <a:t>9/29/2023</a:t>
             </a:fld>
             <a:endParaRPr lang="en-US"/>
           </a:p>
@@ -2035,7 +2035,7 @@
           <a:p>
             <a:fld id="{ED291B17-9318-49DB-B28B-6E5994AE9581}" type="datetime1">
               <a:rPr lang="en-US" smtClean="0"/>
-              <a:t>9/26/2023</a:t>
+              <a:t>9/29/2023</a:t>
             </a:fld>
             <a:endParaRPr lang="en-US"/>
           </a:p>
@@ -2363,7 +2363,7 @@
           <a:p>
             <a:fld id="{ED291B17-9318-49DB-B28B-6E5994AE9581}" type="datetime1">
               <a:rPr lang="en-US" smtClean="0"/>
-              <a:t>9/26/2023</a:t>
+              <a:t>9/29/2023</a:t>
             </a:fld>
             <a:endParaRPr lang="en-US"/>
           </a:p>
@@ -2678,7 +2678,7 @@
           <a:p>
             <a:fld id="{ED291B17-9318-49DB-B28B-6E5994AE9581}" type="datetime1">
               <a:rPr lang="en-US" smtClean="0"/>
-              <a:t>9/26/2023</a:t>
+              <a:t>9/29/2023</a:t>
             </a:fld>
             <a:endParaRPr lang="en-US"/>
           </a:p>
@@ -3066,7 +3066,7 @@
           <a:p>
             <a:fld id="{ED291B17-9318-49DB-B28B-6E5994AE9581}" type="datetime1">
               <a:rPr lang="en-US" smtClean="0"/>
-              <a:t>9/26/2023</a:t>
+              <a:t>9/29/2023</a:t>
             </a:fld>
             <a:endParaRPr lang="en-US"/>
           </a:p>
@@ -3237,7 +3237,7 @@
           <a:p>
             <a:fld id="{ED291B17-9318-49DB-B28B-6E5994AE9581}" type="datetime1">
               <a:rPr lang="en-US" smtClean="0"/>
-              <a:t>9/26/2023</a:t>
+              <a:t>9/29/2023</a:t>
             </a:fld>
             <a:endParaRPr lang="en-US"/>
           </a:p>
@@ -3418,7 +3418,7 @@
           <a:p>
             <a:fld id="{ED291B17-9318-49DB-B28B-6E5994AE9581}" type="datetime1">
               <a:rPr lang="en-US" smtClean="0"/>
-              <a:t>9/26/2023</a:t>
+              <a:t>9/29/2023</a:t>
             </a:fld>
             <a:endParaRPr lang="en-US"/>
           </a:p>
@@ -3595,7 +3595,7 @@
           <a:p>
             <a:fld id="{ED291B17-9318-49DB-B28B-6E5994AE9581}" type="datetime1">
               <a:rPr lang="en-US" smtClean="0"/>
-              <a:t>9/26/2023</a:t>
+              <a:t>9/29/2023</a:t>
             </a:fld>
             <a:endParaRPr lang="en-US"/>
           </a:p>
@@ -3843,7 +3843,7 @@
           <a:p>
             <a:fld id="{B2497495-0637-405E-AE64-5CC7506D51F5}" type="datetime1">
               <a:rPr lang="en-US" smtClean="0"/>
-              <a:t>9/26/2023</a:t>
+              <a:t>9/29/2023</a:t>
             </a:fld>
             <a:endParaRPr lang="en-US"/>
           </a:p>
@@ -4075,7 +4075,7 @@
           <a:p>
             <a:fld id="{ED291B17-9318-49DB-B28B-6E5994AE9581}" type="datetime1">
               <a:rPr lang="en-US" smtClean="0"/>
-              <a:t>9/26/2023</a:t>
+              <a:t>9/29/2023</a:t>
             </a:fld>
             <a:endParaRPr lang="en-US"/>
           </a:p>
@@ -4450,7 +4450,7 @@
           <a:p>
             <a:fld id="{ED291B17-9318-49DB-B28B-6E5994AE9581}" type="datetime1">
               <a:rPr lang="en-US" smtClean="0"/>
-              <a:t>9/26/2023</a:t>
+              <a:t>9/29/2023</a:t>
             </a:fld>
             <a:endParaRPr lang="en-US"/>
           </a:p>
@@ -4574,7 +4574,7 @@
           <a:p>
             <a:fld id="{5DB4ED54-5B5E-4A04-93D3-5772E3CE3818}" type="datetime1">
               <a:rPr lang="en-US" smtClean="0"/>
-              <a:t>9/26/2023</a:t>
+              <a:t>9/29/2023</a:t>
             </a:fld>
             <a:endParaRPr lang="en-US"/>
           </a:p>
@@ -4669,7 +4669,7 @@
           <a:p>
             <a:fld id="{4EDE50D6-574B-40AF-946F-D52A04ADE379}" type="datetime1">
               <a:rPr lang="en-US" smtClean="0"/>
-              <a:t>9/26/2023</a:t>
+              <a:t>9/29/2023</a:t>
             </a:fld>
             <a:endParaRPr lang="en-US"/>
           </a:p>
@@ -4924,7 +4924,7 @@
           <a:p>
             <a:fld id="{ED291B17-9318-49DB-B28B-6E5994AE9581}" type="datetime1">
               <a:rPr lang="en-US" smtClean="0"/>
-              <a:t>9/26/2023</a:t>
+              <a:t>9/29/2023</a:t>
             </a:fld>
             <a:endParaRPr lang="en-US"/>
           </a:p>
@@ -5188,7 +5188,7 @@
           <a:p>
             <a:fld id="{7E18DB4A-8810-4A10-AD5C-D5E2C667F5B3}" type="datetime1">
               <a:rPr lang="en-US" smtClean="0"/>
-              <a:t>9/26/2023</a:t>
+              <a:t>9/29/2023</a:t>
             </a:fld>
             <a:endParaRPr lang="en-US"/>
           </a:p>
@@ -5934,7 +5934,7 @@
           <a:p>
             <a:fld id="{ED291B17-9318-49DB-B28B-6E5994AE9581}" type="datetime1">
               <a:rPr lang="en-US" smtClean="0"/>
-              <a:t>9/26/2023</a:t>
+              <a:t>9/29/2023</a:t>
             </a:fld>
             <a:endParaRPr lang="en-US"/>
           </a:p>
@@ -8691,13 +8691,13 @@
         </p:spPr>
         <p:txBody>
           <a:bodyPr>
-            <a:normAutofit fontScale="90000"/>
+            <a:normAutofit/>
           </a:bodyPr>
           <a:lstStyle/>
           <a:p>
             <a:r>
-              <a:rPr lang="en-US" sz="3600" dirty="0"/>
-              <a:t>WHO ARE THE END USERS of this project?</a:t>
+              <a:rPr lang="en-US" dirty="0"/>
+              <a:t> </a:t>
             </a:r>
             <a:endParaRPr lang="en-IN" dirty="0"/>
           </a:p>
@@ -9979,6 +9979,15 @@
 </file>
 
 <file path=customXml/item2.xml><?xml version="1.0" encoding="utf-8"?>
+<?mso-contentType ?>
+<FormTemplates xmlns="http://schemas.microsoft.com/sharepoint/v3/contenttype/forms">
+  <Display>DocumentLibraryForm</Display>
+  <Edit>DocumentLibraryForm</Edit>
+  <New>DocumentLibraryForm</New>
+</FormTemplates>
+</file>
+
+<file path=customXml/item3.xml><?xml version="1.0" encoding="utf-8"?>
 <ct:contentTypeSchema xmlns:ct="http://schemas.microsoft.com/office/2006/metadata/contentType" xmlns:ma="http://schemas.microsoft.com/office/2006/metadata/properties/metaAttributes" ct:_="" ma:_="" ma:contentTypeName="Document" ma:contentTypeID="0x01010079F111ED35F8CC479449609E8A0923A6" ma:contentTypeVersion="12" ma:contentTypeDescription="Create a new document." ma:contentTypeScope="" ma:versionID="a410dd7f93c95333ffa1b60ed6adedd1">
   <xsd:schema xmlns:xsd="http://www.w3.org/2001/XMLSchema" xmlns:xs="http://www.w3.org/2001/XMLSchema" xmlns:p="http://schemas.microsoft.com/office/2006/metadata/properties" xmlns:ns2="71af3243-3dd4-4a8d-8c0d-dd76da1f02a5" xmlns:ns3="16c05727-aa75-4e4a-9b5f-8a80a1165891" targetNamespace="http://schemas.microsoft.com/office/2006/metadata/properties" ma:root="true" ma:fieldsID="a936d9baba76aa3866493feff160faab" ns2:_="" ns3:_="">
     <xsd:import namespace="71af3243-3dd4-4a8d-8c0d-dd76da1f02a5"/>
@@ -10199,15 +10208,6 @@
 </ct:contentTypeSchema>
 </file>
 
-<file path=customXml/item3.xml><?xml version="1.0" encoding="utf-8"?>
-<?mso-contentType ?>
-<FormTemplates xmlns="http://schemas.microsoft.com/sharepoint/v3/contenttype/forms">
-  <Display>DocumentLibraryForm</Display>
-  <Edit>DocumentLibraryForm</Edit>
-  <New>DocumentLibraryForm</New>
-</FormTemplates>
-</file>
-
 <file path=customXml/itemProps1.xml><?xml version="1.0" encoding="utf-8"?>
 <ds:datastoreItem xmlns:ds="http://schemas.openxmlformats.org/officeDocument/2006/customXml" ds:itemID="{8D289AE2-D2AE-49D1-AFAC-3A79F6794255}">
   <ds:schemaRefs>
@@ -10226,6 +10226,14 @@
 </file>
 
 <file path=customXml/itemProps2.xml><?xml version="1.0" encoding="utf-8"?>
+<ds:datastoreItem xmlns:ds="http://schemas.openxmlformats.org/officeDocument/2006/customXml" ds:itemID="{927BD4C1-B6B1-4715-ABF9-E660A51A4EA0}">
+  <ds:schemaRefs>
+    <ds:schemaRef ds:uri="http://schemas.microsoft.com/sharepoint/v3/contenttype/forms"/>
+  </ds:schemaRefs>
+</ds:datastoreItem>
+</file>
+
+<file path=customXml/itemProps3.xml><?xml version="1.0" encoding="utf-8"?>
 <ds:datastoreItem xmlns:ds="http://schemas.openxmlformats.org/officeDocument/2006/customXml" ds:itemID="{41E7CA09-9778-4414-AE97-8064B12DA30E}">
   <ds:schemaRefs>
     <ds:schemaRef ds:uri="16c05727-aa75-4e4a-9b5f-8a80a1165891"/>
@@ -10242,12 +10250,4 @@
     <ds:schemaRef ds:uri="http://www.w3.org/2001/XMLSchema"/>
   </ds:schemaRefs>
 </ds:datastoreItem>
-</file>
-
-<file path=customXml/itemProps3.xml><?xml version="1.0" encoding="utf-8"?>
-<ds:datastoreItem xmlns:ds="http://schemas.openxmlformats.org/officeDocument/2006/customXml" ds:itemID="{927BD4C1-B6B1-4715-ABF9-E660A51A4EA0}">
-  <ds:schemaRefs>
-    <ds:schemaRef ds:uri="http://schemas.microsoft.com/sharepoint/v3/contenttype/forms"/>
-  </ds:schemaRefs>
-</ds:datastoreItem>
 </file>